--- a/ppts/2-HTML&CSS.pptx
+++ b/ppts/2-HTML&CSS.pptx
@@ -5,7 +5,7 @@
     <p:sldMasterId id="2147483660" r:id="rId1"/>
   </p:sldMasterIdLst>
   <p:notesMasterIdLst>
-    <p:notesMasterId r:id="rId27"/>
+    <p:notesMasterId r:id="rId28"/>
   </p:notesMasterIdLst>
   <p:sldIdLst>
     <p:sldId id="256" r:id="rId2"/>
@@ -27,12 +27,13 @@
     <p:sldId id="299" r:id="rId18"/>
     <p:sldId id="300" r:id="rId19"/>
     <p:sldId id="301" r:id="rId20"/>
-    <p:sldId id="302" r:id="rId21"/>
-    <p:sldId id="303" r:id="rId22"/>
-    <p:sldId id="304" r:id="rId23"/>
-    <p:sldId id="305" r:id="rId24"/>
-    <p:sldId id="306" r:id="rId25"/>
-    <p:sldId id="307" r:id="rId26"/>
+    <p:sldId id="308" r:id="rId21"/>
+    <p:sldId id="302" r:id="rId22"/>
+    <p:sldId id="303" r:id="rId23"/>
+    <p:sldId id="304" r:id="rId24"/>
+    <p:sldId id="305" r:id="rId25"/>
+    <p:sldId id="306" r:id="rId26"/>
+    <p:sldId id="307" r:id="rId27"/>
   </p:sldIdLst>
   <p:sldSz cx="9144000" cy="6858000" type="screen4x3"/>
   <p:notesSz cx="6858000" cy="9144000"/>
@@ -133,7 +134,7 @@
   </p:defaultTextStyle>
   <p:extLst>
     <p:ext uri="{EFAFB233-063F-42B5-8137-9DF3F51BA10A}">
-      <p15:sldGuideLst xmlns:p15="http://schemas.microsoft.com/office/powerpoint/2012/main" xmlns="">
+      <p15:sldGuideLst xmlns="" xmlns:p15="http://schemas.microsoft.com/office/powerpoint/2012/main">
         <p15:guide id="1" orient="horz" pos="2160">
           <p15:clr>
             <a:srgbClr val="A4A3A4"/>
@@ -232,7 +233,7 @@
           <a:p>
             <a:fld id="{CEAA3041-7D72-4C0E-BE15-C88E3A556839}" type="datetimeFigureOut">
               <a:rPr lang="ko-KR" altLang="en-US" smtClean="0"/>
-              <a:t>2018-02-06</a:t>
+              <a:t>2018-03-14</a:t>
             </a:fld>
             <a:endParaRPr lang="ko-KR" altLang="en-US"/>
           </a:p>
@@ -715,7 +716,7 @@
           <a:p>
             <a:fld id="{1D0AE3C4-1F9F-4A56-BCEB-B2DB79A318C1}" type="datetimeFigureOut">
               <a:rPr lang="ko-KR" altLang="en-US" smtClean="0"/>
-              <a:t>2018-02-06</a:t>
+              <a:t>2018-03-14</a:t>
             </a:fld>
             <a:endParaRPr lang="ko-KR" altLang="en-US"/>
           </a:p>
@@ -885,7 +886,7 @@
           <a:p>
             <a:fld id="{1D0AE3C4-1F9F-4A56-BCEB-B2DB79A318C1}" type="datetimeFigureOut">
               <a:rPr lang="ko-KR" altLang="en-US" smtClean="0"/>
-              <a:t>2018-02-06</a:t>
+              <a:t>2018-03-14</a:t>
             </a:fld>
             <a:endParaRPr lang="ko-KR" altLang="en-US"/>
           </a:p>
@@ -1065,7 +1066,7 @@
           <a:p>
             <a:fld id="{1D0AE3C4-1F9F-4A56-BCEB-B2DB79A318C1}" type="datetimeFigureOut">
               <a:rPr lang="ko-KR" altLang="en-US" smtClean="0"/>
-              <a:t>2018-02-06</a:t>
+              <a:t>2018-03-14</a:t>
             </a:fld>
             <a:endParaRPr lang="ko-KR" altLang="en-US"/>
           </a:p>
@@ -1235,7 +1236,7 @@
           <a:p>
             <a:fld id="{1D0AE3C4-1F9F-4A56-BCEB-B2DB79A318C1}" type="datetimeFigureOut">
               <a:rPr lang="ko-KR" altLang="en-US" smtClean="0"/>
-              <a:t>2018-02-06</a:t>
+              <a:t>2018-03-14</a:t>
             </a:fld>
             <a:endParaRPr lang="ko-KR" altLang="en-US"/>
           </a:p>
@@ -1479,7 +1480,7 @@
           <a:p>
             <a:fld id="{1D0AE3C4-1F9F-4A56-BCEB-B2DB79A318C1}" type="datetimeFigureOut">
               <a:rPr lang="ko-KR" altLang="en-US" smtClean="0"/>
-              <a:t>2018-02-06</a:t>
+              <a:t>2018-03-14</a:t>
             </a:fld>
             <a:endParaRPr lang="ko-KR" altLang="en-US"/>
           </a:p>
@@ -1711,7 +1712,7 @@
           <a:p>
             <a:fld id="{1D0AE3C4-1F9F-4A56-BCEB-B2DB79A318C1}" type="datetimeFigureOut">
               <a:rPr lang="ko-KR" altLang="en-US" smtClean="0"/>
-              <a:t>2018-02-06</a:t>
+              <a:t>2018-03-14</a:t>
             </a:fld>
             <a:endParaRPr lang="ko-KR" altLang="en-US"/>
           </a:p>
@@ -2078,7 +2079,7 @@
           <a:p>
             <a:fld id="{1D0AE3C4-1F9F-4A56-BCEB-B2DB79A318C1}" type="datetimeFigureOut">
               <a:rPr lang="ko-KR" altLang="en-US" smtClean="0"/>
-              <a:t>2018-02-06</a:t>
+              <a:t>2018-03-14</a:t>
             </a:fld>
             <a:endParaRPr lang="ko-KR" altLang="en-US"/>
           </a:p>
@@ -2196,7 +2197,7 @@
           <a:p>
             <a:fld id="{1D0AE3C4-1F9F-4A56-BCEB-B2DB79A318C1}" type="datetimeFigureOut">
               <a:rPr lang="ko-KR" altLang="en-US" smtClean="0"/>
-              <a:t>2018-02-06</a:t>
+              <a:t>2018-03-14</a:t>
             </a:fld>
             <a:endParaRPr lang="ko-KR" altLang="en-US"/>
           </a:p>
@@ -2291,7 +2292,7 @@
           <a:p>
             <a:fld id="{1D0AE3C4-1F9F-4A56-BCEB-B2DB79A318C1}" type="datetimeFigureOut">
               <a:rPr lang="ko-KR" altLang="en-US" smtClean="0"/>
-              <a:t>2018-02-06</a:t>
+              <a:t>2018-03-14</a:t>
             </a:fld>
             <a:endParaRPr lang="ko-KR" altLang="en-US"/>
           </a:p>
@@ -2568,7 +2569,7 @@
           <a:p>
             <a:fld id="{1D0AE3C4-1F9F-4A56-BCEB-B2DB79A318C1}" type="datetimeFigureOut">
               <a:rPr lang="ko-KR" altLang="en-US" smtClean="0"/>
-              <a:t>2018-02-06</a:t>
+              <a:t>2018-03-14</a:t>
             </a:fld>
             <a:endParaRPr lang="ko-KR" altLang="en-US"/>
           </a:p>
@@ -2825,7 +2826,7 @@
           <a:p>
             <a:fld id="{1D0AE3C4-1F9F-4A56-BCEB-B2DB79A318C1}" type="datetimeFigureOut">
               <a:rPr lang="ko-KR" altLang="en-US" smtClean="0"/>
-              <a:t>2018-02-06</a:t>
+              <a:t>2018-03-14</a:t>
             </a:fld>
             <a:endParaRPr lang="ko-KR" altLang="en-US"/>
           </a:p>
@@ -3038,7 +3039,7 @@
           <a:p>
             <a:fld id="{1D0AE3C4-1F9F-4A56-BCEB-B2DB79A318C1}" type="datetimeFigureOut">
               <a:rPr lang="ko-KR" altLang="en-US" smtClean="0"/>
-              <a:t>2018-02-06</a:t>
+              <a:t>2018-03-14</a:t>
             </a:fld>
             <a:endParaRPr lang="ko-KR" altLang="en-US"/>
           </a:p>
@@ -10874,7 +10875,7 @@
                 <a:cs typeface="Arial" panose="020B0604020202020204" pitchFamily="34" charset="0"/>
                 <a:sym typeface="Wingdings" panose="05000000000000000000" pitchFamily="2" charset="2"/>
               </a:rPr>
-              <a:t>스타일을 위한 태그 </a:t>
+              <a:t>스타일</a:t>
             </a:r>
             <a:r>
               <a:rPr lang="en-US" altLang="ko-KR" sz="2000" b="1" dirty="0" smtClean="0">
@@ -10888,7 +10889,7 @@
                 <a:cs typeface="Arial" panose="020B0604020202020204" pitchFamily="34" charset="0"/>
                 <a:sym typeface="Wingdings" panose="05000000000000000000" pitchFamily="2" charset="2"/>
               </a:rPr>
-              <a:t>- span</a:t>
+              <a:t>(style)</a:t>
             </a:r>
             <a:r>
               <a:rPr lang="ko-KR" altLang="en-US" sz="2000" b="1" dirty="0" smtClean="0">
@@ -10902,7 +10903,7 @@
                 <a:cs typeface="Arial" panose="020B0604020202020204" pitchFamily="34" charset="0"/>
                 <a:sym typeface="Wingdings" panose="05000000000000000000" pitchFamily="2" charset="2"/>
               </a:rPr>
-              <a:t>과 </a:t>
+              <a:t> 태그와 </a:t>
             </a:r>
             <a:r>
               <a:rPr lang="en-US" altLang="ko-KR" sz="2000" b="1" dirty="0" smtClean="0">
@@ -10916,7 +10917,35 @@
                 <a:cs typeface="Arial" panose="020B0604020202020204" pitchFamily="34" charset="0"/>
                 <a:sym typeface="Wingdings" panose="05000000000000000000" pitchFamily="2" charset="2"/>
               </a:rPr>
-              <a:t>div </a:t>
+              <a:t>CSS </a:t>
+            </a:r>
+            <a:r>
+              <a:rPr lang="ko-KR" altLang="en-US" sz="2000" b="1" dirty="0" err="1" smtClean="0">
+                <a:solidFill>
+                  <a:schemeClr val="tx1">
+                    <a:lumMod val="75000"/>
+                    <a:lumOff val="25000"/>
+                  </a:schemeClr>
+                </a:solidFill>
+                <a:latin typeface="Arial" panose="020B0604020202020204" pitchFamily="34" charset="0"/>
+                <a:cs typeface="Arial" panose="020B0604020202020204" pitchFamily="34" charset="0"/>
+                <a:sym typeface="Wingdings" panose="05000000000000000000" pitchFamily="2" charset="2"/>
+              </a:rPr>
+              <a:t>선택자</a:t>
+            </a:r>
+            <a:r>
+              <a:rPr lang="en-US" altLang="ko-KR" sz="2000" b="1" dirty="0" smtClean="0">
+                <a:solidFill>
+                  <a:schemeClr val="tx1">
+                    <a:lumMod val="75000"/>
+                    <a:lumOff val="25000"/>
+                  </a:schemeClr>
+                </a:solidFill>
+                <a:latin typeface="Arial" panose="020B0604020202020204" pitchFamily="34" charset="0"/>
+                <a:cs typeface="Arial" panose="020B0604020202020204" pitchFamily="34" charset="0"/>
+                <a:sym typeface="Wingdings" panose="05000000000000000000" pitchFamily="2" charset="2"/>
+              </a:rPr>
+              <a:t>(CSS Selector)</a:t>
             </a:r>
             <a:endParaRPr lang="ko-KR" altLang="en-US" sz="2000" b="1" dirty="0">
               <a:solidFill>
@@ -10940,7 +10969,7 @@
         <p:spPr>
           <a:xfrm>
             <a:off x="276056" y="1735215"/>
-            <a:ext cx="8626404" cy="1107996"/>
+            <a:ext cx="8626404" cy="2339102"/>
           </a:xfrm>
           <a:prstGeom prst="rect">
             <a:avLst/>
@@ -10968,7 +10997,7 @@
                 <a:latin typeface="Arial" panose="020B0604020202020204" pitchFamily="34" charset="0"/>
                 <a:cs typeface="Arial" panose="020B0604020202020204" pitchFamily="34" charset="0"/>
               </a:rPr>
-              <a:t>빈번히 사용되는 </a:t>
+              <a:t>기타</a:t>
             </a:r>
             <a:r>
               <a:rPr lang="en-US" altLang="ko-KR" dirty="0" smtClean="0">
@@ -10981,7 +11010,7 @@
                 <a:latin typeface="Arial" panose="020B0604020202020204" pitchFamily="34" charset="0"/>
                 <a:cs typeface="Arial" panose="020B0604020202020204" pitchFamily="34" charset="0"/>
               </a:rPr>
-              <a:t>HTML </a:t>
+              <a:t> (</a:t>
             </a:r>
             <a:r>
               <a:rPr lang="ko-KR" altLang="en-US" dirty="0" smtClean="0">
@@ -10994,7 +11023,7 @@
                 <a:latin typeface="Arial" panose="020B0604020202020204" pitchFamily="34" charset="0"/>
                 <a:cs typeface="Arial" panose="020B0604020202020204" pitchFamily="34" charset="0"/>
               </a:rPr>
-              <a:t>태그 </a:t>
+              <a:t>자주 활용되는</a:t>
             </a:r>
             <a:r>
               <a:rPr lang="en-US" altLang="ko-KR" dirty="0" smtClean="0">
@@ -11007,86 +11036,31 @@
                 <a:latin typeface="Arial" panose="020B0604020202020204" pitchFamily="34" charset="0"/>
                 <a:cs typeface="Arial" panose="020B0604020202020204" pitchFamily="34" charset="0"/>
               </a:rPr>
-              <a:t>top20 </a:t>
-            </a:r>
-            <a:r>
-              <a:rPr lang="ko-KR" altLang="en-US" dirty="0" smtClean="0">
-                <a:solidFill>
-                  <a:schemeClr val="tx1">
-                    <a:lumMod val="75000"/>
-                    <a:lumOff val="25000"/>
-                  </a:schemeClr>
-                </a:solidFill>
-                <a:latin typeface="Arial" panose="020B0604020202020204" pitchFamily="34" charset="0"/>
-                <a:cs typeface="Arial" panose="020B0604020202020204" pitchFamily="34" charset="0"/>
-              </a:rPr>
-              <a:t>중에</a:t>
-            </a:r>
-            <a:r>
-              <a:rPr lang="en-US" altLang="ko-KR" dirty="0" smtClean="0">
-                <a:solidFill>
-                  <a:schemeClr val="tx1">
-                    <a:lumMod val="75000"/>
-                    <a:lumOff val="25000"/>
-                  </a:schemeClr>
-                </a:solidFill>
-                <a:latin typeface="Arial" panose="020B0604020202020204" pitchFamily="34" charset="0"/>
-                <a:cs typeface="Arial" panose="020B0604020202020204" pitchFamily="34" charset="0"/>
-              </a:rPr>
-              <a:t> span</a:t>
-            </a:r>
-            <a:r>
-              <a:rPr lang="ko-KR" altLang="en-US" dirty="0" smtClean="0">
-                <a:solidFill>
-                  <a:schemeClr val="tx1">
-                    <a:lumMod val="75000"/>
-                    <a:lumOff val="25000"/>
-                  </a:schemeClr>
-                </a:solidFill>
-                <a:latin typeface="Arial" panose="020B0604020202020204" pitchFamily="34" charset="0"/>
-                <a:cs typeface="Arial" panose="020B0604020202020204" pitchFamily="34" charset="0"/>
-              </a:rPr>
-              <a:t>과 </a:t>
-            </a:r>
-            <a:r>
-              <a:rPr lang="en-US" altLang="ko-KR" dirty="0" smtClean="0">
-                <a:solidFill>
-                  <a:schemeClr val="tx1">
-                    <a:lumMod val="75000"/>
-                    <a:lumOff val="25000"/>
-                  </a:schemeClr>
-                </a:solidFill>
-                <a:latin typeface="Arial" panose="020B0604020202020204" pitchFamily="34" charset="0"/>
-                <a:cs typeface="Arial" panose="020B0604020202020204" pitchFamily="34" charset="0"/>
-              </a:rPr>
-              <a:t>div</a:t>
-            </a:r>
-            <a:r>
-              <a:rPr lang="ko-KR" altLang="en-US" dirty="0" smtClean="0">
-                <a:solidFill>
-                  <a:schemeClr val="tx1">
-                    <a:lumMod val="75000"/>
-                    <a:lumOff val="25000"/>
-                  </a:schemeClr>
-                </a:solidFill>
-                <a:latin typeface="Arial" panose="020B0604020202020204" pitchFamily="34" charset="0"/>
-                <a:cs typeface="Arial" panose="020B0604020202020204" pitchFamily="34" charset="0"/>
-              </a:rPr>
-              <a:t>가 있다</a:t>
-            </a:r>
-            <a:r>
-              <a:rPr lang="en-US" altLang="ko-KR" dirty="0" smtClean="0">
-                <a:solidFill>
-                  <a:schemeClr val="tx1">
-                    <a:lumMod val="75000"/>
-                    <a:lumOff val="25000"/>
-                  </a:schemeClr>
-                </a:solidFill>
-                <a:latin typeface="Arial" panose="020B0604020202020204" pitchFamily="34" charset="0"/>
-                <a:cs typeface="Arial" panose="020B0604020202020204" pitchFamily="34" charset="0"/>
-              </a:rPr>
-              <a:t>.</a:t>
-            </a:r>
+              <a:t>) </a:t>
+            </a:r>
+            <a:r>
+              <a:rPr lang="ko-KR" altLang="en-US" dirty="0" err="1" smtClean="0">
+                <a:solidFill>
+                  <a:schemeClr val="tx1">
+                    <a:lumMod val="75000"/>
+                    <a:lumOff val="25000"/>
+                  </a:schemeClr>
+                </a:solidFill>
+                <a:latin typeface="Arial" panose="020B0604020202020204" pitchFamily="34" charset="0"/>
+                <a:cs typeface="Arial" panose="020B0604020202020204" pitchFamily="34" charset="0"/>
+              </a:rPr>
+              <a:t>선택자</a:t>
+            </a:r>
+            <a:endParaRPr lang="en-US" altLang="ko-KR" dirty="0" smtClean="0">
+              <a:solidFill>
+                <a:schemeClr val="tx1">
+                  <a:lumMod val="75000"/>
+                  <a:lumOff val="25000"/>
+                </a:schemeClr>
+              </a:solidFill>
+              <a:latin typeface="Arial" panose="020B0604020202020204" pitchFamily="34" charset="0"/>
+              <a:cs typeface="Arial" panose="020B0604020202020204" pitchFamily="34" charset="0"/>
+            </a:endParaRPr>
           </a:p>
           <a:p>
             <a:pPr marL="1200150" lvl="2" indent="-285750" algn="just">
@@ -11094,6 +11068,45 @@
               <a:buChar char="-"/>
             </a:pPr>
             <a:r>
+              <a:rPr lang="ko-KR" altLang="en-US" sz="1600" b="1" dirty="0" smtClean="0">
+                <a:solidFill>
+                  <a:schemeClr val="tx1">
+                    <a:lumMod val="75000"/>
+                    <a:lumOff val="25000"/>
+                  </a:schemeClr>
+                </a:solidFill>
+                <a:latin typeface="Arial" panose="020B0604020202020204" pitchFamily="34" charset="0"/>
+                <a:cs typeface="Arial" panose="020B0604020202020204" pitchFamily="34" charset="0"/>
+              </a:rPr>
+              <a:t>자식 </a:t>
+            </a:r>
+            <a:r>
+              <a:rPr lang="ko-KR" altLang="en-US" sz="1600" b="1" dirty="0" err="1" smtClean="0">
+                <a:solidFill>
+                  <a:schemeClr val="tx1">
+                    <a:lumMod val="75000"/>
+                    <a:lumOff val="25000"/>
+                  </a:schemeClr>
+                </a:solidFill>
+                <a:latin typeface="Arial" panose="020B0604020202020204" pitchFamily="34" charset="0"/>
+                <a:cs typeface="Arial" panose="020B0604020202020204" pitchFamily="34" charset="0"/>
+              </a:rPr>
+              <a:t>선택자</a:t>
+            </a:r>
+            <a:r>
+              <a:rPr lang="en-US" altLang="ko-KR" sz="1600" b="1" dirty="0" smtClean="0">
+                <a:solidFill>
+                  <a:schemeClr val="tx1">
+                    <a:lumMod val="75000"/>
+                    <a:lumOff val="25000"/>
+                  </a:schemeClr>
+                </a:solidFill>
+                <a:latin typeface="Arial" panose="020B0604020202020204" pitchFamily="34" charset="0"/>
+                <a:cs typeface="Arial" panose="020B0604020202020204" pitchFamily="34" charset="0"/>
+              </a:rPr>
+              <a:t>(descendant selector): </a:t>
+            </a:r>
+            <a:r>
               <a:rPr lang="ko-KR" altLang="en-US" sz="1600" dirty="0" smtClean="0">
                 <a:solidFill>
                   <a:schemeClr val="tx1">
@@ -11104,7 +11117,7 @@
                 <a:latin typeface="Arial" panose="020B0604020202020204" pitchFamily="34" charset="0"/>
                 <a:cs typeface="Arial" panose="020B0604020202020204" pitchFamily="34" charset="0"/>
               </a:rPr>
-              <a:t>이들은 순전히 </a:t>
+              <a:t>특정 태그 내에 속한 요소를 선택하고 싶을 때 활용한다</a:t>
             </a:r>
             <a:r>
               <a:rPr lang="en-US" altLang="ko-KR" sz="1600" dirty="0" smtClean="0">
@@ -11117,9 +11130,116 @@
                 <a:latin typeface="Arial" panose="020B0604020202020204" pitchFamily="34" charset="0"/>
                 <a:cs typeface="Arial" panose="020B0604020202020204" pitchFamily="34" charset="0"/>
               </a:rPr>
+              <a:t>.</a:t>
+            </a:r>
+          </a:p>
+          <a:p>
+            <a:pPr lvl="2" algn="just"/>
+            <a:r>
+              <a:rPr lang="en-US" altLang="ko-KR" sz="1600" dirty="0">
+                <a:solidFill>
+                  <a:schemeClr val="tx1">
+                    <a:lumMod val="75000"/>
+                    <a:lumOff val="25000"/>
+                  </a:schemeClr>
+                </a:solidFill>
+                <a:latin typeface="Arial" panose="020B0604020202020204" pitchFamily="34" charset="0"/>
+                <a:cs typeface="Arial" panose="020B0604020202020204" pitchFamily="34" charset="0"/>
+              </a:rPr>
+              <a:t>	</a:t>
+            </a:r>
+            <a:r>
+              <a:rPr lang="en-US" altLang="ko-KR" sz="1600" dirty="0" smtClean="0">
+                <a:solidFill>
+                  <a:schemeClr val="tx1">
+                    <a:lumMod val="75000"/>
+                    <a:lumOff val="25000"/>
+                  </a:schemeClr>
+                </a:solidFill>
+                <a:latin typeface="Arial" panose="020B0604020202020204" pitchFamily="34" charset="0"/>
+                <a:cs typeface="Arial" panose="020B0604020202020204" pitchFamily="34" charset="0"/>
+              </a:rPr>
+              <a:t>e.g. </a:t>
+            </a:r>
+            <a:r>
+              <a:rPr lang="en-US" altLang="ko-KR" sz="1600" b="1" dirty="0" smtClean="0">
+                <a:solidFill>
+                  <a:schemeClr val="tx1">
+                    <a:lumMod val="75000"/>
+                    <a:lumOff val="25000"/>
+                  </a:schemeClr>
+                </a:solidFill>
+                <a:latin typeface="Arial" panose="020B0604020202020204" pitchFamily="34" charset="0"/>
+                <a:cs typeface="Arial" panose="020B0604020202020204" pitchFamily="34" charset="0"/>
+              </a:rPr>
               <a:t>“</a:t>
             </a:r>
             <a:r>
+              <a:rPr lang="en-US" altLang="ko-KR" sz="1600" b="1" dirty="0" smtClean="0">
+                <a:solidFill>
+                  <a:schemeClr val="tx1">
+                    <a:lumMod val="75000"/>
+                    <a:lumOff val="25000"/>
+                  </a:schemeClr>
+                </a:solidFill>
+                <a:latin typeface="Courier New" pitchFamily="49" charset="0"/>
+                <a:cs typeface="Courier New" pitchFamily="49" charset="0"/>
+              </a:rPr>
+              <a:t>h1 a</a:t>
+            </a:r>
+            <a:r>
+              <a:rPr lang="en-US" altLang="ko-KR" sz="1600" b="1" dirty="0" smtClean="0">
+                <a:solidFill>
+                  <a:schemeClr val="tx1">
+                    <a:lumMod val="75000"/>
+                    <a:lumOff val="25000"/>
+                  </a:schemeClr>
+                </a:solidFill>
+                <a:latin typeface="Arial" panose="020B0604020202020204" pitchFamily="34" charset="0"/>
+                <a:cs typeface="Arial" panose="020B0604020202020204" pitchFamily="34" charset="0"/>
+              </a:rPr>
+              <a:t>” </a:t>
+            </a:r>
+            <a:r>
+              <a:rPr lang="en-US" altLang="ko-KR" sz="1600" dirty="0" smtClean="0">
+                <a:solidFill>
+                  <a:schemeClr val="tx1">
+                    <a:lumMod val="75000"/>
+                    <a:lumOff val="25000"/>
+                  </a:schemeClr>
+                </a:solidFill>
+                <a:latin typeface="Arial" panose="020B0604020202020204" pitchFamily="34" charset="0"/>
+                <a:cs typeface="Arial" panose="020B0604020202020204" pitchFamily="34" charset="0"/>
+              </a:rPr>
+              <a:t>=&gt; </a:t>
+            </a:r>
+            <a:r>
+              <a:rPr lang="en-US" altLang="ko-KR" sz="1600" b="1" dirty="0">
+                <a:solidFill>
+                  <a:schemeClr val="tx1">
+                    <a:lumMod val="75000"/>
+                    <a:lumOff val="25000"/>
+                  </a:schemeClr>
+                </a:solidFill>
+                <a:latin typeface="Courier New" pitchFamily="49" charset="0"/>
+                <a:cs typeface="Courier New" pitchFamily="49" charset="0"/>
+              </a:rPr>
+              <a:t>h1</a:t>
+            </a:r>
+            <a:r>
+              <a:rPr lang="en-US" altLang="ko-KR" sz="1600" dirty="0" smtClean="0">
+                <a:solidFill>
+                  <a:schemeClr val="tx1">
+                    <a:lumMod val="75000"/>
+                    <a:lumOff val="25000"/>
+                  </a:schemeClr>
+                </a:solidFill>
+                <a:latin typeface="Arial" panose="020B0604020202020204" pitchFamily="34" charset="0"/>
+                <a:cs typeface="Arial" panose="020B0604020202020204" pitchFamily="34" charset="0"/>
+              </a:rPr>
+              <a:t> </a:t>
+            </a:r>
+            <a:r>
               <a:rPr lang="ko-KR" altLang="en-US" sz="1600" dirty="0" smtClean="0">
                 <a:solidFill>
                   <a:schemeClr val="tx1">
@@ -11130,7 +11250,20 @@
                 <a:latin typeface="Arial" panose="020B0604020202020204" pitchFamily="34" charset="0"/>
                 <a:cs typeface="Arial" panose="020B0604020202020204" pitchFamily="34" charset="0"/>
               </a:rPr>
-              <a:t>스타일</a:t>
+              <a:t>태그 내의 </a:t>
+            </a:r>
+            <a:r>
+              <a:rPr lang="en-US" altLang="ko-KR" sz="1600" b="1" dirty="0">
+                <a:solidFill>
+                  <a:schemeClr val="tx1">
+                    <a:lumMod val="75000"/>
+                    <a:lumOff val="25000"/>
+                  </a:schemeClr>
+                </a:solidFill>
+                <a:latin typeface="Courier New" pitchFamily="49" charset="0"/>
+                <a:cs typeface="Courier New" pitchFamily="49" charset="0"/>
+              </a:rPr>
+              <a:t>a</a:t>
             </a:r>
             <a:r>
               <a:rPr lang="en-US" altLang="ko-KR" sz="1600" dirty="0" smtClean="0">
@@ -11143,7 +11276,7 @@
                 <a:latin typeface="Arial" panose="020B0604020202020204" pitchFamily="34" charset="0"/>
                 <a:cs typeface="Arial" panose="020B0604020202020204" pitchFamily="34" charset="0"/>
               </a:rPr>
-              <a:t>”</a:t>
+              <a:t> </a:t>
             </a:r>
             <a:r>
               <a:rPr lang="ko-KR" altLang="en-US" sz="1600" dirty="0" smtClean="0">
@@ -11156,21 +11289,18 @@
                 <a:latin typeface="Arial" panose="020B0604020202020204" pitchFamily="34" charset="0"/>
                 <a:cs typeface="Arial" panose="020B0604020202020204" pitchFamily="34" charset="0"/>
               </a:rPr>
-              <a:t>을 위해 존재하는 태그이다</a:t>
-            </a:r>
-            <a:r>
-              <a:rPr lang="en-US" altLang="ko-KR" sz="1600" dirty="0" smtClean="0">
-                <a:solidFill>
-                  <a:schemeClr val="tx1">
-                    <a:lumMod val="75000"/>
-                    <a:lumOff val="25000"/>
-                  </a:schemeClr>
-                </a:solidFill>
-                <a:latin typeface="Arial" panose="020B0604020202020204" pitchFamily="34" charset="0"/>
-                <a:cs typeface="Arial" panose="020B0604020202020204" pitchFamily="34" charset="0"/>
-              </a:rPr>
-              <a:t>.</a:t>
-            </a:r>
+              <a:t>태그를 가진 요소를 선택</a:t>
+            </a:r>
+            <a:endParaRPr lang="en-US" altLang="ko-KR" sz="1600" dirty="0" smtClean="0">
+              <a:solidFill>
+                <a:schemeClr val="tx1">
+                  <a:lumMod val="75000"/>
+                  <a:lumOff val="25000"/>
+                </a:schemeClr>
+              </a:solidFill>
+              <a:latin typeface="Arial" panose="020B0604020202020204" pitchFamily="34" charset="0"/>
+              <a:cs typeface="Arial" panose="020B0604020202020204" pitchFamily="34" charset="0"/>
+            </a:endParaRPr>
           </a:p>
           <a:p>
             <a:pPr marL="1200150" lvl="2" indent="-285750" algn="just">
@@ -11178,6 +11308,45 @@
               <a:buChar char="-"/>
             </a:pPr>
             <a:r>
+              <a:rPr lang="ko-KR" altLang="en-US" sz="1600" b="1" dirty="0" smtClean="0">
+                <a:solidFill>
+                  <a:schemeClr val="tx1">
+                    <a:lumMod val="75000"/>
+                    <a:lumOff val="25000"/>
+                  </a:schemeClr>
+                </a:solidFill>
+                <a:latin typeface="Arial" panose="020B0604020202020204" pitchFamily="34" charset="0"/>
+                <a:cs typeface="Arial" panose="020B0604020202020204" pitchFamily="34" charset="0"/>
+              </a:rPr>
+              <a:t>복수 클래스 </a:t>
+            </a:r>
+            <a:r>
+              <a:rPr lang="ko-KR" altLang="en-US" sz="1600" b="1" dirty="0" err="1" smtClean="0">
+                <a:solidFill>
+                  <a:schemeClr val="tx1">
+                    <a:lumMod val="75000"/>
+                    <a:lumOff val="25000"/>
+                  </a:schemeClr>
+                </a:solidFill>
+                <a:latin typeface="Arial" panose="020B0604020202020204" pitchFamily="34" charset="0"/>
+                <a:cs typeface="Arial" panose="020B0604020202020204" pitchFamily="34" charset="0"/>
+              </a:rPr>
+              <a:t>선택자</a:t>
+            </a:r>
+            <a:r>
+              <a:rPr lang="en-US" altLang="ko-KR" sz="1600" b="1" dirty="0" smtClean="0">
+                <a:solidFill>
+                  <a:schemeClr val="tx1">
+                    <a:lumMod val="75000"/>
+                    <a:lumOff val="25000"/>
+                  </a:schemeClr>
+                </a:solidFill>
+                <a:latin typeface="Arial" panose="020B0604020202020204" pitchFamily="34" charset="0"/>
+                <a:cs typeface="Arial" panose="020B0604020202020204" pitchFamily="34" charset="0"/>
+              </a:rPr>
+              <a:t>(multiple class selector): </a:t>
+            </a:r>
+            <a:r>
               <a:rPr lang="ko-KR" altLang="en-US" sz="1600" dirty="0" smtClean="0">
                 <a:solidFill>
                   <a:schemeClr val="tx1">
@@ -11188,7 +11357,33 @@
                 <a:latin typeface="Arial" panose="020B0604020202020204" pitchFamily="34" charset="0"/>
                 <a:cs typeface="Arial" panose="020B0604020202020204" pitchFamily="34" charset="0"/>
               </a:rPr>
-              <a:t>즉</a:t>
+              <a:t>아이디와</a:t>
+            </a:r>
+            <a:r>
+              <a:rPr lang="ko-KR" altLang="en-US" sz="1600" dirty="0">
+                <a:solidFill>
+                  <a:schemeClr val="tx1">
+                    <a:lumMod val="75000"/>
+                    <a:lumOff val="25000"/>
+                  </a:schemeClr>
+                </a:solidFill>
+                <a:latin typeface="Arial" panose="020B0604020202020204" pitchFamily="34" charset="0"/>
+                <a:cs typeface="Arial" panose="020B0604020202020204" pitchFamily="34" charset="0"/>
+              </a:rPr>
+              <a:t>는</a:t>
+            </a:r>
+            <a:r>
+              <a:rPr lang="ko-KR" altLang="en-US" sz="1600" dirty="0" smtClean="0">
+                <a:solidFill>
+                  <a:schemeClr val="tx1">
+                    <a:lumMod val="75000"/>
+                    <a:lumOff val="25000"/>
+                  </a:schemeClr>
+                </a:solidFill>
+                <a:latin typeface="Arial" panose="020B0604020202020204" pitchFamily="34" charset="0"/>
+                <a:cs typeface="Arial" panose="020B0604020202020204" pitchFamily="34" charset="0"/>
+              </a:rPr>
+              <a:t> 다르게 하나의 태그는 여러 개의 클래스 속성을 가질 수 있다</a:t>
             </a:r>
             <a:r>
               <a:rPr lang="en-US" altLang="ko-KR" sz="1600" dirty="0" smtClean="0">
@@ -11201,7 +11396,7 @@
                 <a:latin typeface="Arial" panose="020B0604020202020204" pitchFamily="34" charset="0"/>
                 <a:cs typeface="Arial" panose="020B0604020202020204" pitchFamily="34" charset="0"/>
               </a:rPr>
-              <a:t>, id</a:t>
+              <a:t>. </a:t>
             </a:r>
             <a:r>
               <a:rPr lang="ko-KR" altLang="en-US" sz="1600" dirty="0" smtClean="0">
@@ -11214,8 +11409,60 @@
                 <a:latin typeface="Arial" panose="020B0604020202020204" pitchFamily="34" charset="0"/>
                 <a:cs typeface="Arial" panose="020B0604020202020204" pitchFamily="34" charset="0"/>
               </a:rPr>
-              <a:t>나 </a:t>
-            </a:r>
+              <a:t>이 경우 복수 클래스 </a:t>
+            </a:r>
+            <a:r>
+              <a:rPr lang="ko-KR" altLang="en-US" sz="1600" dirty="0" err="1" smtClean="0">
+                <a:solidFill>
+                  <a:schemeClr val="tx1">
+                    <a:lumMod val="75000"/>
+                    <a:lumOff val="25000"/>
+                  </a:schemeClr>
+                </a:solidFill>
+                <a:latin typeface="Arial" panose="020B0604020202020204" pitchFamily="34" charset="0"/>
+                <a:cs typeface="Arial" panose="020B0604020202020204" pitchFamily="34" charset="0"/>
+              </a:rPr>
+              <a:t>선택자를</a:t>
+            </a:r>
+            <a:r>
+              <a:rPr lang="ko-KR" altLang="en-US" sz="1600" dirty="0" smtClean="0">
+                <a:solidFill>
+                  <a:schemeClr val="tx1">
+                    <a:lumMod val="75000"/>
+                    <a:lumOff val="25000"/>
+                  </a:schemeClr>
+                </a:solidFill>
+                <a:latin typeface="Arial" panose="020B0604020202020204" pitchFamily="34" charset="0"/>
+                <a:cs typeface="Arial" panose="020B0604020202020204" pitchFamily="34" charset="0"/>
+              </a:rPr>
+              <a:t> 활용하여 여러 개의 클래스를 가진 요소를 찾아낼 수 있다</a:t>
+            </a:r>
+            <a:r>
+              <a:rPr lang="en-US" altLang="ko-KR" sz="1600" dirty="0">
+                <a:solidFill>
+                  <a:schemeClr val="tx1">
+                    <a:lumMod val="75000"/>
+                    <a:lumOff val="25000"/>
+                  </a:schemeClr>
+                </a:solidFill>
+                <a:latin typeface="Arial" panose="020B0604020202020204" pitchFamily="34" charset="0"/>
+                <a:cs typeface="Arial" panose="020B0604020202020204" pitchFamily="34" charset="0"/>
+              </a:rPr>
+              <a:t>.</a:t>
+            </a:r>
+            <a:endParaRPr lang="en-US" altLang="ko-KR" sz="1600" dirty="0" smtClean="0">
+              <a:solidFill>
+                <a:schemeClr val="tx1">
+                  <a:lumMod val="75000"/>
+                  <a:lumOff val="25000"/>
+                </a:schemeClr>
+              </a:solidFill>
+              <a:latin typeface="Arial" panose="020B0604020202020204" pitchFamily="34" charset="0"/>
+              <a:cs typeface="Arial" panose="020B0604020202020204" pitchFamily="34" charset="0"/>
+            </a:endParaRPr>
+          </a:p>
+          <a:p>
+            <a:pPr lvl="4" algn="just"/>
             <a:r>
               <a:rPr lang="en-US" altLang="ko-KR" sz="1600" dirty="0" smtClean="0">
                 <a:solidFill>
@@ -11227,7 +11474,46 @@
                 <a:latin typeface="Arial" panose="020B0604020202020204" pitchFamily="34" charset="0"/>
                 <a:cs typeface="Arial" panose="020B0604020202020204" pitchFamily="34" charset="0"/>
               </a:rPr>
-              <a:t>class </a:t>
+              <a:t>e.g. </a:t>
+            </a:r>
+            <a:r>
+              <a:rPr lang="en-US" altLang="ko-KR" sz="1600" dirty="0">
+                <a:solidFill>
+                  <a:schemeClr val="tx1">
+                    <a:lumMod val="75000"/>
+                    <a:lumOff val="25000"/>
+                  </a:schemeClr>
+                </a:solidFill>
+                <a:latin typeface="Courier New" pitchFamily="49" charset="0"/>
+                <a:cs typeface="Courier New" pitchFamily="49" charset="0"/>
+              </a:rPr>
+              <a:t>“.</a:t>
+            </a:r>
+            <a:r>
+              <a:rPr lang="en-US" altLang="ko-KR" sz="1600" dirty="0" err="1">
+                <a:solidFill>
+                  <a:schemeClr val="tx1">
+                    <a:lumMod val="75000"/>
+                    <a:lumOff val="25000"/>
+                  </a:schemeClr>
+                </a:solidFill>
+                <a:latin typeface="Courier New" pitchFamily="49" charset="0"/>
+                <a:cs typeface="Courier New" pitchFamily="49" charset="0"/>
+              </a:rPr>
+              <a:t>label.highlight</a:t>
+            </a:r>
+            <a:r>
+              <a:rPr lang="en-US" altLang="ko-KR" sz="1600" dirty="0">
+                <a:solidFill>
+                  <a:schemeClr val="tx1">
+                    <a:lumMod val="75000"/>
+                    <a:lumOff val="25000"/>
+                  </a:schemeClr>
+                </a:solidFill>
+                <a:latin typeface="Courier New" pitchFamily="49" charset="0"/>
+                <a:cs typeface="Courier New" pitchFamily="49" charset="0"/>
+              </a:rPr>
+              <a:t>”: label</a:t>
             </a:r>
             <a:r>
               <a:rPr lang="ko-KR" altLang="en-US" sz="1600" dirty="0" smtClean="0">
@@ -11240,7 +11526,20 @@
                 <a:latin typeface="Arial" panose="020B0604020202020204" pitchFamily="34" charset="0"/>
                 <a:cs typeface="Arial" panose="020B0604020202020204" pitchFamily="34" charset="0"/>
               </a:rPr>
-              <a:t>속성과 함께 쓰이면서 텍스트나 배경의 스타일을 바꾸는 데 활용된다</a:t>
+              <a:t>과 </a:t>
+            </a:r>
+            <a:r>
+              <a:rPr lang="en-US" altLang="ko-KR" sz="1600" dirty="0">
+                <a:solidFill>
+                  <a:schemeClr val="tx1">
+                    <a:lumMod val="75000"/>
+                    <a:lumOff val="25000"/>
+                  </a:schemeClr>
+                </a:solidFill>
+                <a:latin typeface="Courier New" pitchFamily="49" charset="0"/>
+                <a:cs typeface="Courier New" pitchFamily="49" charset="0"/>
+              </a:rPr>
+              <a:t>highlight</a:t>
             </a:r>
             <a:r>
               <a:rPr lang="en-US" altLang="ko-KR" sz="1600" dirty="0" smtClean="0">
@@ -11253,7 +11552,20 @@
                 <a:latin typeface="Arial" panose="020B0604020202020204" pitchFamily="34" charset="0"/>
                 <a:cs typeface="Arial" panose="020B0604020202020204" pitchFamily="34" charset="0"/>
               </a:rPr>
-              <a:t>.</a:t>
+              <a:t> </a:t>
+            </a:r>
+            <a:r>
+              <a:rPr lang="ko-KR" altLang="en-US" sz="1600" dirty="0" smtClean="0">
+                <a:solidFill>
+                  <a:schemeClr val="tx1">
+                    <a:lumMod val="75000"/>
+                    <a:lumOff val="25000"/>
+                  </a:schemeClr>
+                </a:solidFill>
+                <a:latin typeface="Arial" panose="020B0604020202020204" pitchFamily="34" charset="0"/>
+                <a:cs typeface="Arial" panose="020B0604020202020204" pitchFamily="34" charset="0"/>
+              </a:rPr>
+              <a:t>클래스에 속하는 요소를 선택</a:t>
             </a:r>
             <a:endParaRPr lang="en-US" altLang="ko-KR" sz="1600" dirty="0">
               <a:solidFill>
@@ -11268,40 +11580,10 @@
           </a:p>
         </p:txBody>
       </p:sp>
-      <p:pic>
-        <p:nvPicPr>
-          <p:cNvPr id="10" name="그림 9" descr="화면 캡처"/>
-          <p:cNvPicPr>
-            <a:picLocks noChangeAspect="1"/>
-          </p:cNvPicPr>
-          <p:nvPr/>
-        </p:nvPicPr>
-        <p:blipFill>
-          <a:blip r:embed="rId2">
-            <a:extLst>
-              <a:ext uri="{28A0092B-C50C-407E-A947-70E740481C1C}">
-                <a14:useLocalDpi xmlns:a14="http://schemas.microsoft.com/office/drawing/2010/main" val="0"/>
-              </a:ext>
-            </a:extLst>
-          </a:blip>
-          <a:stretch>
-            <a:fillRect/>
-          </a:stretch>
-        </p:blipFill>
-        <p:spPr>
-          <a:xfrm>
-            <a:off x="1619192" y="3188443"/>
-            <a:ext cx="5940131" cy="3334138"/>
-          </a:xfrm>
-          <a:prstGeom prst="rect">
-            <a:avLst/>
-          </a:prstGeom>
-        </p:spPr>
-      </p:pic>
     </p:spTree>
     <p:extLst>
       <p:ext uri="{BB962C8B-B14F-4D97-AF65-F5344CB8AC3E}">
-        <p14:creationId xmlns:p14="http://schemas.microsoft.com/office/powerpoint/2010/main" val="230875345"/>
+        <p14:creationId xmlns:p14="http://schemas.microsoft.com/office/powerpoint/2010/main" val="3710367891"/>
       </p:ext>
     </p:extLst>
   </p:cSld>
@@ -11600,6 +11882,666 @@
         <p:spPr>
           <a:xfrm>
             <a:off x="276056" y="1735215"/>
+            <a:ext cx="8626404" cy="1107996"/>
+          </a:xfrm>
+          <a:prstGeom prst="rect">
+            <a:avLst/>
+          </a:prstGeom>
+          <a:noFill/>
+        </p:spPr>
+        <p:txBody>
+          <a:bodyPr wrap="square" rtlCol="0">
+            <a:spAutoFit/>
+          </a:bodyPr>
+          <a:lstStyle/>
+          <a:p>
+            <a:pPr marL="800100" lvl="1" indent="-342900" algn="just">
+              <a:buFont typeface="Wingdings" panose="05000000000000000000" pitchFamily="2" charset="2"/>
+              <a:buChar char=""/>
+            </a:pPr>
+            <a:r>
+              <a:rPr lang="ko-KR" altLang="en-US" dirty="0" smtClean="0">
+                <a:solidFill>
+                  <a:schemeClr val="tx1">
+                    <a:lumMod val="75000"/>
+                    <a:lumOff val="25000"/>
+                  </a:schemeClr>
+                </a:solidFill>
+                <a:latin typeface="Arial" panose="020B0604020202020204" pitchFamily="34" charset="0"/>
+                <a:cs typeface="Arial" panose="020B0604020202020204" pitchFamily="34" charset="0"/>
+              </a:rPr>
+              <a:t>빈번히 사용되는 </a:t>
+            </a:r>
+            <a:r>
+              <a:rPr lang="en-US" altLang="ko-KR" dirty="0" smtClean="0">
+                <a:solidFill>
+                  <a:schemeClr val="tx1">
+                    <a:lumMod val="75000"/>
+                    <a:lumOff val="25000"/>
+                  </a:schemeClr>
+                </a:solidFill>
+                <a:latin typeface="Arial" panose="020B0604020202020204" pitchFamily="34" charset="0"/>
+                <a:cs typeface="Arial" panose="020B0604020202020204" pitchFamily="34" charset="0"/>
+              </a:rPr>
+              <a:t>HTML </a:t>
+            </a:r>
+            <a:r>
+              <a:rPr lang="ko-KR" altLang="en-US" dirty="0" smtClean="0">
+                <a:solidFill>
+                  <a:schemeClr val="tx1">
+                    <a:lumMod val="75000"/>
+                    <a:lumOff val="25000"/>
+                  </a:schemeClr>
+                </a:solidFill>
+                <a:latin typeface="Arial" panose="020B0604020202020204" pitchFamily="34" charset="0"/>
+                <a:cs typeface="Arial" panose="020B0604020202020204" pitchFamily="34" charset="0"/>
+              </a:rPr>
+              <a:t>태그 </a:t>
+            </a:r>
+            <a:r>
+              <a:rPr lang="en-US" altLang="ko-KR" dirty="0" smtClean="0">
+                <a:solidFill>
+                  <a:schemeClr val="tx1">
+                    <a:lumMod val="75000"/>
+                    <a:lumOff val="25000"/>
+                  </a:schemeClr>
+                </a:solidFill>
+                <a:latin typeface="Arial" panose="020B0604020202020204" pitchFamily="34" charset="0"/>
+                <a:cs typeface="Arial" panose="020B0604020202020204" pitchFamily="34" charset="0"/>
+              </a:rPr>
+              <a:t>top20 </a:t>
+            </a:r>
+            <a:r>
+              <a:rPr lang="ko-KR" altLang="en-US" dirty="0" smtClean="0">
+                <a:solidFill>
+                  <a:schemeClr val="tx1">
+                    <a:lumMod val="75000"/>
+                    <a:lumOff val="25000"/>
+                  </a:schemeClr>
+                </a:solidFill>
+                <a:latin typeface="Arial" panose="020B0604020202020204" pitchFamily="34" charset="0"/>
+                <a:cs typeface="Arial" panose="020B0604020202020204" pitchFamily="34" charset="0"/>
+              </a:rPr>
+              <a:t>중에</a:t>
+            </a:r>
+            <a:r>
+              <a:rPr lang="en-US" altLang="ko-KR" dirty="0" smtClean="0">
+                <a:solidFill>
+                  <a:schemeClr val="tx1">
+                    <a:lumMod val="75000"/>
+                    <a:lumOff val="25000"/>
+                  </a:schemeClr>
+                </a:solidFill>
+                <a:latin typeface="Arial" panose="020B0604020202020204" pitchFamily="34" charset="0"/>
+                <a:cs typeface="Arial" panose="020B0604020202020204" pitchFamily="34" charset="0"/>
+              </a:rPr>
+              <a:t> span</a:t>
+            </a:r>
+            <a:r>
+              <a:rPr lang="ko-KR" altLang="en-US" dirty="0" smtClean="0">
+                <a:solidFill>
+                  <a:schemeClr val="tx1">
+                    <a:lumMod val="75000"/>
+                    <a:lumOff val="25000"/>
+                  </a:schemeClr>
+                </a:solidFill>
+                <a:latin typeface="Arial" panose="020B0604020202020204" pitchFamily="34" charset="0"/>
+                <a:cs typeface="Arial" panose="020B0604020202020204" pitchFamily="34" charset="0"/>
+              </a:rPr>
+              <a:t>과 </a:t>
+            </a:r>
+            <a:r>
+              <a:rPr lang="en-US" altLang="ko-KR" dirty="0" smtClean="0">
+                <a:solidFill>
+                  <a:schemeClr val="tx1">
+                    <a:lumMod val="75000"/>
+                    <a:lumOff val="25000"/>
+                  </a:schemeClr>
+                </a:solidFill>
+                <a:latin typeface="Arial" panose="020B0604020202020204" pitchFamily="34" charset="0"/>
+                <a:cs typeface="Arial" panose="020B0604020202020204" pitchFamily="34" charset="0"/>
+              </a:rPr>
+              <a:t>div</a:t>
+            </a:r>
+            <a:r>
+              <a:rPr lang="ko-KR" altLang="en-US" dirty="0" smtClean="0">
+                <a:solidFill>
+                  <a:schemeClr val="tx1">
+                    <a:lumMod val="75000"/>
+                    <a:lumOff val="25000"/>
+                  </a:schemeClr>
+                </a:solidFill>
+                <a:latin typeface="Arial" panose="020B0604020202020204" pitchFamily="34" charset="0"/>
+                <a:cs typeface="Arial" panose="020B0604020202020204" pitchFamily="34" charset="0"/>
+              </a:rPr>
+              <a:t>가 있다</a:t>
+            </a:r>
+            <a:r>
+              <a:rPr lang="en-US" altLang="ko-KR" dirty="0" smtClean="0">
+                <a:solidFill>
+                  <a:schemeClr val="tx1">
+                    <a:lumMod val="75000"/>
+                    <a:lumOff val="25000"/>
+                  </a:schemeClr>
+                </a:solidFill>
+                <a:latin typeface="Arial" panose="020B0604020202020204" pitchFamily="34" charset="0"/>
+                <a:cs typeface="Arial" panose="020B0604020202020204" pitchFamily="34" charset="0"/>
+              </a:rPr>
+              <a:t>.</a:t>
+            </a:r>
+          </a:p>
+          <a:p>
+            <a:pPr marL="1200150" lvl="2" indent="-285750" algn="just">
+              <a:buFontTx/>
+              <a:buChar char="-"/>
+            </a:pPr>
+            <a:r>
+              <a:rPr lang="ko-KR" altLang="en-US" sz="1600" dirty="0" smtClean="0">
+                <a:solidFill>
+                  <a:schemeClr val="tx1">
+                    <a:lumMod val="75000"/>
+                    <a:lumOff val="25000"/>
+                  </a:schemeClr>
+                </a:solidFill>
+                <a:latin typeface="Arial" panose="020B0604020202020204" pitchFamily="34" charset="0"/>
+                <a:cs typeface="Arial" panose="020B0604020202020204" pitchFamily="34" charset="0"/>
+              </a:rPr>
+              <a:t>이들은 순전히 </a:t>
+            </a:r>
+            <a:r>
+              <a:rPr lang="en-US" altLang="ko-KR" sz="1600" dirty="0" smtClean="0">
+                <a:solidFill>
+                  <a:schemeClr val="tx1">
+                    <a:lumMod val="75000"/>
+                    <a:lumOff val="25000"/>
+                  </a:schemeClr>
+                </a:solidFill>
+                <a:latin typeface="Arial" panose="020B0604020202020204" pitchFamily="34" charset="0"/>
+                <a:cs typeface="Arial" panose="020B0604020202020204" pitchFamily="34" charset="0"/>
+              </a:rPr>
+              <a:t>“</a:t>
+            </a:r>
+            <a:r>
+              <a:rPr lang="ko-KR" altLang="en-US" sz="1600" dirty="0" smtClean="0">
+                <a:solidFill>
+                  <a:schemeClr val="tx1">
+                    <a:lumMod val="75000"/>
+                    <a:lumOff val="25000"/>
+                  </a:schemeClr>
+                </a:solidFill>
+                <a:latin typeface="Arial" panose="020B0604020202020204" pitchFamily="34" charset="0"/>
+                <a:cs typeface="Arial" panose="020B0604020202020204" pitchFamily="34" charset="0"/>
+              </a:rPr>
+              <a:t>스타일</a:t>
+            </a:r>
+            <a:r>
+              <a:rPr lang="en-US" altLang="ko-KR" sz="1600" dirty="0" smtClean="0">
+                <a:solidFill>
+                  <a:schemeClr val="tx1">
+                    <a:lumMod val="75000"/>
+                    <a:lumOff val="25000"/>
+                  </a:schemeClr>
+                </a:solidFill>
+                <a:latin typeface="Arial" panose="020B0604020202020204" pitchFamily="34" charset="0"/>
+                <a:cs typeface="Arial" panose="020B0604020202020204" pitchFamily="34" charset="0"/>
+              </a:rPr>
+              <a:t>”</a:t>
+            </a:r>
+            <a:r>
+              <a:rPr lang="ko-KR" altLang="en-US" sz="1600" dirty="0" smtClean="0">
+                <a:solidFill>
+                  <a:schemeClr val="tx1">
+                    <a:lumMod val="75000"/>
+                    <a:lumOff val="25000"/>
+                  </a:schemeClr>
+                </a:solidFill>
+                <a:latin typeface="Arial" panose="020B0604020202020204" pitchFamily="34" charset="0"/>
+                <a:cs typeface="Arial" panose="020B0604020202020204" pitchFamily="34" charset="0"/>
+              </a:rPr>
+              <a:t>을 위해 존재하는 태그이다</a:t>
+            </a:r>
+            <a:r>
+              <a:rPr lang="en-US" altLang="ko-KR" sz="1600" dirty="0" smtClean="0">
+                <a:solidFill>
+                  <a:schemeClr val="tx1">
+                    <a:lumMod val="75000"/>
+                    <a:lumOff val="25000"/>
+                  </a:schemeClr>
+                </a:solidFill>
+                <a:latin typeface="Arial" panose="020B0604020202020204" pitchFamily="34" charset="0"/>
+                <a:cs typeface="Arial" panose="020B0604020202020204" pitchFamily="34" charset="0"/>
+              </a:rPr>
+              <a:t>.</a:t>
+            </a:r>
+          </a:p>
+          <a:p>
+            <a:pPr marL="1200150" lvl="2" indent="-285750" algn="just">
+              <a:buFontTx/>
+              <a:buChar char="-"/>
+            </a:pPr>
+            <a:r>
+              <a:rPr lang="ko-KR" altLang="en-US" sz="1600" dirty="0" smtClean="0">
+                <a:solidFill>
+                  <a:schemeClr val="tx1">
+                    <a:lumMod val="75000"/>
+                    <a:lumOff val="25000"/>
+                  </a:schemeClr>
+                </a:solidFill>
+                <a:latin typeface="Arial" panose="020B0604020202020204" pitchFamily="34" charset="0"/>
+                <a:cs typeface="Arial" panose="020B0604020202020204" pitchFamily="34" charset="0"/>
+              </a:rPr>
+              <a:t>즉</a:t>
+            </a:r>
+            <a:r>
+              <a:rPr lang="en-US" altLang="ko-KR" sz="1600" dirty="0" smtClean="0">
+                <a:solidFill>
+                  <a:schemeClr val="tx1">
+                    <a:lumMod val="75000"/>
+                    <a:lumOff val="25000"/>
+                  </a:schemeClr>
+                </a:solidFill>
+                <a:latin typeface="Arial" panose="020B0604020202020204" pitchFamily="34" charset="0"/>
+                <a:cs typeface="Arial" panose="020B0604020202020204" pitchFamily="34" charset="0"/>
+              </a:rPr>
+              <a:t>, id</a:t>
+            </a:r>
+            <a:r>
+              <a:rPr lang="ko-KR" altLang="en-US" sz="1600" dirty="0" smtClean="0">
+                <a:solidFill>
+                  <a:schemeClr val="tx1">
+                    <a:lumMod val="75000"/>
+                    <a:lumOff val="25000"/>
+                  </a:schemeClr>
+                </a:solidFill>
+                <a:latin typeface="Arial" panose="020B0604020202020204" pitchFamily="34" charset="0"/>
+                <a:cs typeface="Arial" panose="020B0604020202020204" pitchFamily="34" charset="0"/>
+              </a:rPr>
+              <a:t>나 </a:t>
+            </a:r>
+            <a:r>
+              <a:rPr lang="en-US" altLang="ko-KR" sz="1600" dirty="0" smtClean="0">
+                <a:solidFill>
+                  <a:schemeClr val="tx1">
+                    <a:lumMod val="75000"/>
+                    <a:lumOff val="25000"/>
+                  </a:schemeClr>
+                </a:solidFill>
+                <a:latin typeface="Arial" panose="020B0604020202020204" pitchFamily="34" charset="0"/>
+                <a:cs typeface="Arial" panose="020B0604020202020204" pitchFamily="34" charset="0"/>
+              </a:rPr>
+              <a:t>class </a:t>
+            </a:r>
+            <a:r>
+              <a:rPr lang="ko-KR" altLang="en-US" sz="1600" dirty="0" smtClean="0">
+                <a:solidFill>
+                  <a:schemeClr val="tx1">
+                    <a:lumMod val="75000"/>
+                    <a:lumOff val="25000"/>
+                  </a:schemeClr>
+                </a:solidFill>
+                <a:latin typeface="Arial" panose="020B0604020202020204" pitchFamily="34" charset="0"/>
+                <a:cs typeface="Arial" panose="020B0604020202020204" pitchFamily="34" charset="0"/>
+              </a:rPr>
+              <a:t>속성과 함께 쓰이면서 텍스트나 배경의 스타일을 바꾸는 데 활용된다</a:t>
+            </a:r>
+            <a:r>
+              <a:rPr lang="en-US" altLang="ko-KR" sz="1600" dirty="0" smtClean="0">
+                <a:solidFill>
+                  <a:schemeClr val="tx1">
+                    <a:lumMod val="75000"/>
+                    <a:lumOff val="25000"/>
+                  </a:schemeClr>
+                </a:solidFill>
+                <a:latin typeface="Arial" panose="020B0604020202020204" pitchFamily="34" charset="0"/>
+                <a:cs typeface="Arial" panose="020B0604020202020204" pitchFamily="34" charset="0"/>
+              </a:rPr>
+              <a:t>.</a:t>
+            </a:r>
+            <a:endParaRPr lang="en-US" altLang="ko-KR" sz="1600" dirty="0">
+              <a:solidFill>
+                <a:schemeClr val="tx1">
+                  <a:lumMod val="75000"/>
+                  <a:lumOff val="25000"/>
+                </a:schemeClr>
+              </a:solidFill>
+              <a:latin typeface="Arial" panose="020B0604020202020204" pitchFamily="34" charset="0"/>
+              <a:cs typeface="Arial" panose="020B0604020202020204" pitchFamily="34" charset="0"/>
+            </a:endParaRPr>
+          </a:p>
+        </p:txBody>
+      </p:sp>
+      <p:pic>
+        <p:nvPicPr>
+          <p:cNvPr id="10" name="그림 9" descr="화면 캡처"/>
+          <p:cNvPicPr>
+            <a:picLocks noChangeAspect="1"/>
+          </p:cNvPicPr>
+          <p:nvPr/>
+        </p:nvPicPr>
+        <p:blipFill>
+          <a:blip r:embed="rId2">
+            <a:extLst>
+              <a:ext uri="{28A0092B-C50C-407E-A947-70E740481C1C}">
+                <a14:useLocalDpi xmlns:a14="http://schemas.microsoft.com/office/drawing/2010/main" val="0"/>
+              </a:ext>
+            </a:extLst>
+          </a:blip>
+          <a:stretch>
+            <a:fillRect/>
+          </a:stretch>
+        </p:blipFill>
+        <p:spPr>
+          <a:xfrm>
+            <a:off x="1619192" y="3188443"/>
+            <a:ext cx="5940131" cy="3334138"/>
+          </a:xfrm>
+          <a:prstGeom prst="rect">
+            <a:avLst/>
+          </a:prstGeom>
+        </p:spPr>
+      </p:pic>
+    </p:spTree>
+    <p:extLst>
+      <p:ext uri="{BB962C8B-B14F-4D97-AF65-F5344CB8AC3E}">
+        <p14:creationId xmlns:p14="http://schemas.microsoft.com/office/powerpoint/2010/main" val="230875345"/>
+      </p:ext>
+    </p:extLst>
+  </p:cSld>
+  <p:clrMapOvr>
+    <a:masterClrMapping/>
+  </p:clrMapOvr>
+  <p:timing>
+    <p:tnLst>
+      <p:par>
+        <p:cTn id="1" dur="indefinite" restart="never" nodeType="tmRoot"/>
+      </p:par>
+    </p:tnLst>
+  </p:timing>
+</p:sld>
+</file>
+
+<file path=ppt/slides/slide22.xml><?xml version="1.0" encoding="utf-8"?>
+<p:sld xmlns:a="http://schemas.openxmlformats.org/drawingml/2006/main" xmlns:r="http://schemas.openxmlformats.org/officeDocument/2006/relationships" xmlns:p="http://schemas.openxmlformats.org/presentationml/2006/main">
+  <p:cSld>
+    <p:bg>
+      <p:bgPr>
+        <a:gradFill flip="none" rotWithShape="1">
+          <a:gsLst>
+            <a:gs pos="0">
+              <a:schemeClr val="bg1">
+                <a:lumMod val="95000"/>
+              </a:schemeClr>
+            </a:gs>
+            <a:gs pos="77000">
+              <a:schemeClr val="bg1">
+                <a:lumMod val="75000"/>
+                <a:alpha val="70000"/>
+              </a:schemeClr>
+            </a:gs>
+            <a:gs pos="100000">
+              <a:schemeClr val="bg1">
+                <a:lumMod val="75000"/>
+                <a:alpha val="70000"/>
+              </a:schemeClr>
+            </a:gs>
+          </a:gsLst>
+          <a:path path="circle">
+            <a:fillToRect l="50000" t="50000" r="50000" b="50000"/>
+          </a:path>
+          <a:tileRect/>
+        </a:gradFill>
+        <a:effectLst/>
+      </p:bgPr>
+    </p:bg>
+    <p:spTree>
+      <p:nvGrpSpPr>
+        <p:cNvPr id="1" name=""/>
+        <p:cNvGrpSpPr/>
+        <p:nvPr/>
+      </p:nvGrpSpPr>
+      <p:grpSpPr>
+        <a:xfrm>
+          <a:off x="0" y="0"/>
+          <a:ext cx="0" cy="0"/>
+          <a:chOff x="0" y="0"/>
+          <a:chExt cx="0" cy="0"/>
+        </a:xfrm>
+      </p:grpSpPr>
+      <p:sp>
+        <p:nvSpPr>
+          <p:cNvPr id="4" name="TextBox 3"/>
+          <p:cNvSpPr txBox="1"/>
+          <p:nvPr/>
+        </p:nvSpPr>
+        <p:spPr>
+          <a:xfrm>
+            <a:off x="741880" y="129720"/>
+            <a:ext cx="1029449" cy="584775"/>
+          </a:xfrm>
+          <a:prstGeom prst="rect">
+            <a:avLst/>
+          </a:prstGeom>
+          <a:noFill/>
+        </p:spPr>
+        <p:txBody>
+          <a:bodyPr wrap="none" rtlCol="0">
+            <a:spAutoFit/>
+          </a:bodyPr>
+          <a:lstStyle/>
+          <a:p>
+            <a:r>
+              <a:rPr lang="en-US" altLang="ko-KR" sz="3200" dirty="0" smtClean="0">
+                <a:gradFill flip="none" rotWithShape="1">
+                  <a:gsLst>
+                    <a:gs pos="0">
+                      <a:schemeClr val="accent2">
+                        <a:lumMod val="75000"/>
+                      </a:schemeClr>
+                    </a:gs>
+                    <a:gs pos="100000">
+                      <a:schemeClr val="accent2">
+                        <a:lumMod val="75000"/>
+                      </a:schemeClr>
+                    </a:gs>
+                  </a:gsLst>
+                  <a:lin ang="2700000" scaled="1"/>
+                  <a:tileRect/>
+                </a:gradFill>
+                <a:latin typeface="Arial" panose="020B0604020202020204" pitchFamily="34" charset="0"/>
+                <a:cs typeface="Arial" panose="020B0604020202020204" pitchFamily="34" charset="0"/>
+              </a:rPr>
+              <a:t>CSS</a:t>
+            </a:r>
+            <a:endParaRPr lang="ko-KR" altLang="en-US" sz="3200" dirty="0">
+              <a:gradFill flip="none" rotWithShape="1">
+                <a:gsLst>
+                  <a:gs pos="0">
+                    <a:schemeClr val="accent2">
+                      <a:lumMod val="75000"/>
+                    </a:schemeClr>
+                  </a:gs>
+                  <a:gs pos="100000">
+                    <a:schemeClr val="accent2">
+                      <a:lumMod val="75000"/>
+                    </a:schemeClr>
+                  </a:gs>
+                </a:gsLst>
+                <a:lin ang="2700000" scaled="1"/>
+                <a:tileRect/>
+              </a:gradFill>
+              <a:latin typeface="Arial" panose="020B0604020202020204" pitchFamily="34" charset="0"/>
+              <a:cs typeface="Arial" panose="020B0604020202020204" pitchFamily="34" charset="0"/>
+            </a:endParaRPr>
+          </a:p>
+        </p:txBody>
+      </p:sp>
+      <p:sp>
+        <p:nvSpPr>
+          <p:cNvPr id="5" name="직사각형 4"/>
+          <p:cNvSpPr/>
+          <p:nvPr/>
+        </p:nvSpPr>
+        <p:spPr>
+          <a:xfrm>
+            <a:off x="370932" y="-8626"/>
+            <a:ext cx="189781" cy="569343"/>
+          </a:xfrm>
+          <a:prstGeom prst="rect">
+            <a:avLst/>
+          </a:prstGeom>
+          <a:solidFill>
+            <a:schemeClr val="accent2">
+              <a:lumMod val="75000"/>
+            </a:schemeClr>
+          </a:solidFill>
+          <a:ln>
+            <a:solidFill>
+              <a:schemeClr val="accent2">
+                <a:lumMod val="75000"/>
+              </a:schemeClr>
+            </a:solidFill>
+          </a:ln>
+        </p:spPr>
+        <p:style>
+          <a:lnRef idx="2">
+            <a:schemeClr val="accent1">
+              <a:shade val="50000"/>
+            </a:schemeClr>
+          </a:lnRef>
+          <a:fillRef idx="1">
+            <a:schemeClr val="accent1"/>
+          </a:fillRef>
+          <a:effectRef idx="0">
+            <a:schemeClr val="accent1"/>
+          </a:effectRef>
+          <a:fontRef idx="minor">
+            <a:schemeClr val="lt1"/>
+          </a:fontRef>
+        </p:style>
+        <p:txBody>
+          <a:bodyPr rtlCol="0" anchor="ctr"/>
+          <a:lstStyle/>
+          <a:p>
+            <a:pPr algn="ctr"/>
+            <a:endParaRPr lang="ko-KR" altLang="en-US"/>
+          </a:p>
+        </p:txBody>
+      </p:sp>
+      <p:sp>
+        <p:nvSpPr>
+          <p:cNvPr id="6" name="TextBox 5"/>
+          <p:cNvSpPr txBox="1"/>
+          <p:nvPr/>
+        </p:nvSpPr>
+        <p:spPr>
+          <a:xfrm>
+            <a:off x="276056" y="1101628"/>
+            <a:ext cx="8626404" cy="400110"/>
+          </a:xfrm>
+          <a:prstGeom prst="rect">
+            <a:avLst/>
+          </a:prstGeom>
+          <a:noFill/>
+        </p:spPr>
+        <p:txBody>
+          <a:bodyPr wrap="square" rtlCol="0">
+            <a:spAutoFit/>
+          </a:bodyPr>
+          <a:lstStyle/>
+          <a:p>
+            <a:pPr algn="just"/>
+            <a:r>
+              <a:rPr lang="en-US" altLang="ko-KR" sz="2000" b="1" dirty="0" smtClean="0">
+                <a:solidFill>
+                  <a:schemeClr val="tx1">
+                    <a:lumMod val="75000"/>
+                    <a:lumOff val="25000"/>
+                  </a:schemeClr>
+                </a:solidFill>
+                <a:latin typeface="Arial" panose="020B0604020202020204" pitchFamily="34" charset="0"/>
+                <a:cs typeface="Arial" panose="020B0604020202020204" pitchFamily="34" charset="0"/>
+                <a:sym typeface="Wingdings" panose="05000000000000000000" pitchFamily="2" charset="2"/>
+              </a:rPr>
+              <a:t> </a:t>
+            </a:r>
+            <a:r>
+              <a:rPr lang="ko-KR" altLang="en-US" sz="2000" b="1" dirty="0" smtClean="0">
+                <a:solidFill>
+                  <a:schemeClr val="tx1">
+                    <a:lumMod val="75000"/>
+                    <a:lumOff val="25000"/>
+                  </a:schemeClr>
+                </a:solidFill>
+                <a:latin typeface="Arial" panose="020B0604020202020204" pitchFamily="34" charset="0"/>
+                <a:cs typeface="Arial" panose="020B0604020202020204" pitchFamily="34" charset="0"/>
+                <a:sym typeface="Wingdings" panose="05000000000000000000" pitchFamily="2" charset="2"/>
+              </a:rPr>
+              <a:t>스타일을 위한 태그 </a:t>
+            </a:r>
+            <a:r>
+              <a:rPr lang="en-US" altLang="ko-KR" sz="2000" b="1" dirty="0" smtClean="0">
+                <a:solidFill>
+                  <a:schemeClr val="tx1">
+                    <a:lumMod val="75000"/>
+                    <a:lumOff val="25000"/>
+                  </a:schemeClr>
+                </a:solidFill>
+                <a:latin typeface="Arial" panose="020B0604020202020204" pitchFamily="34" charset="0"/>
+                <a:cs typeface="Arial" panose="020B0604020202020204" pitchFamily="34" charset="0"/>
+                <a:sym typeface="Wingdings" panose="05000000000000000000" pitchFamily="2" charset="2"/>
+              </a:rPr>
+              <a:t>- span</a:t>
+            </a:r>
+            <a:r>
+              <a:rPr lang="ko-KR" altLang="en-US" sz="2000" b="1" dirty="0" smtClean="0">
+                <a:solidFill>
+                  <a:schemeClr val="tx1">
+                    <a:lumMod val="75000"/>
+                    <a:lumOff val="25000"/>
+                  </a:schemeClr>
+                </a:solidFill>
+                <a:latin typeface="Arial" panose="020B0604020202020204" pitchFamily="34" charset="0"/>
+                <a:cs typeface="Arial" panose="020B0604020202020204" pitchFamily="34" charset="0"/>
+                <a:sym typeface="Wingdings" panose="05000000000000000000" pitchFamily="2" charset="2"/>
+              </a:rPr>
+              <a:t>과 </a:t>
+            </a:r>
+            <a:r>
+              <a:rPr lang="en-US" altLang="ko-KR" sz="2000" b="1" dirty="0" smtClean="0">
+                <a:solidFill>
+                  <a:schemeClr val="tx1">
+                    <a:lumMod val="75000"/>
+                    <a:lumOff val="25000"/>
+                  </a:schemeClr>
+                </a:solidFill>
+                <a:latin typeface="Arial" panose="020B0604020202020204" pitchFamily="34" charset="0"/>
+                <a:cs typeface="Arial" panose="020B0604020202020204" pitchFamily="34" charset="0"/>
+                <a:sym typeface="Wingdings" panose="05000000000000000000" pitchFamily="2" charset="2"/>
+              </a:rPr>
+              <a:t>div </a:t>
+            </a:r>
+            <a:endParaRPr lang="ko-KR" altLang="en-US" sz="2000" b="1" dirty="0">
+              <a:solidFill>
+                <a:schemeClr val="tx1">
+                  <a:lumMod val="75000"/>
+                  <a:lumOff val="25000"/>
+                </a:schemeClr>
+              </a:solidFill>
+              <a:latin typeface="Arial" panose="020B0604020202020204" pitchFamily="34" charset="0"/>
+              <a:cs typeface="Arial" panose="020B0604020202020204" pitchFamily="34" charset="0"/>
+            </a:endParaRPr>
+          </a:p>
+        </p:txBody>
+      </p:sp>
+      <p:sp>
+        <p:nvSpPr>
+          <p:cNvPr id="9" name="TextBox 8"/>
+          <p:cNvSpPr txBox="1"/>
+          <p:nvPr/>
+        </p:nvSpPr>
+        <p:spPr>
+          <a:xfrm>
+            <a:off x="276056" y="1735215"/>
             <a:ext cx="8626404" cy="861774"/>
           </a:xfrm>
           <a:prstGeom prst="rect">
@@ -11897,7 +12839,7 @@
 </p:sld>
 </file>
 
-<file path=ppt/slides/slide22.xml><?xml version="1.0" encoding="utf-8"?>
+<file path=ppt/slides/slide23.xml><?xml version="1.0" encoding="utf-8"?>
 <p:sld xmlns:a="http://schemas.openxmlformats.org/drawingml/2006/main" xmlns:r="http://schemas.openxmlformats.org/officeDocument/2006/relationships" xmlns:p="http://schemas.openxmlformats.org/presentationml/2006/main">
   <p:cSld>
     <p:bg>
@@ -12506,7 +13448,7 @@
 </p:sld>
 </file>
 
-<file path=ppt/slides/slide23.xml><?xml version="1.0" encoding="utf-8"?>
+<file path=ppt/slides/slide24.xml><?xml version="1.0" encoding="utf-8"?>
 <p:sld xmlns:a="http://schemas.openxmlformats.org/drawingml/2006/main" xmlns:r="http://schemas.openxmlformats.org/officeDocument/2006/relationships" xmlns:p="http://schemas.openxmlformats.org/presentationml/2006/main">
   <p:cSld>
     <p:bg>
@@ -13000,20 +13942,7 @@
                 <a:latin typeface="Arial" panose="020B0604020202020204" pitchFamily="34" charset="0"/>
                 <a:cs typeface="Arial" panose="020B0604020202020204" pitchFamily="34" charset="0"/>
               </a:rPr>
-              <a:t>로 저장하고 브</a:t>
-            </a:r>
-            <a:r>
-              <a:rPr lang="ko-KR" altLang="en-US" dirty="0" smtClean="0">
-                <a:solidFill>
-                  <a:schemeClr val="tx1">
-                    <a:lumMod val="75000"/>
-                    <a:lumOff val="25000"/>
-                  </a:schemeClr>
-                </a:solidFill>
-                <a:latin typeface="Arial" panose="020B0604020202020204" pitchFamily="34" charset="0"/>
-                <a:cs typeface="Arial" panose="020B0604020202020204" pitchFamily="34" charset="0"/>
-              </a:rPr>
-              <a:t>라우저를 통해 열어본다</a:t>
+              <a:t>로 저장하고 브라우저를 통해 열어본다</a:t>
             </a:r>
             <a:r>
               <a:rPr lang="en-US" altLang="ko-KR" dirty="0" smtClean="0">
@@ -13311,7 +14240,7 @@
 </p:sld>
 </file>
 
-<file path=ppt/slides/slide24.xml><?xml version="1.0" encoding="utf-8"?>
+<file path=ppt/slides/slide25.xml><?xml version="1.0" encoding="utf-8"?>
 <p:sld xmlns:a="http://schemas.openxmlformats.org/drawingml/2006/main" xmlns:r="http://schemas.openxmlformats.org/officeDocument/2006/relationships" xmlns:p="http://schemas.openxmlformats.org/presentationml/2006/main">
   <p:cSld>
     <p:bg>
@@ -13965,7 +14894,7 @@
 </p:sld>
 </file>
 
-<file path=ppt/slides/slide25.xml><?xml version="1.0" encoding="utf-8"?>
+<file path=ppt/slides/slide26.xml><?xml version="1.0" encoding="utf-8"?>
 <p:sld xmlns:a="http://schemas.openxmlformats.org/drawingml/2006/main" xmlns:r="http://schemas.openxmlformats.org/officeDocument/2006/relationships" xmlns:p="http://schemas.openxmlformats.org/presentationml/2006/main">
   <p:cSld>
     <p:bg>
@@ -19973,7 +20902,7 @@
   <a:extraClrSchemeLst/>
   <a:extLst>
     <a:ext uri="{05A4C25C-085E-4340-85A3-A5531E510DB2}">
-      <thm15:themeFamily xmlns:thm15="http://schemas.microsoft.com/office/thememl/2012/main" xmlns="" name="Office Theme" id="{62F939B6-93AF-4DB8-9C6B-D6C7DFDC589F}" vid="{4A3C46E8-61CC-4603-A589-7422A47A8E4A}"/>
+      <thm15:themeFamily xmlns="" xmlns:thm15="http://schemas.microsoft.com/office/thememl/2012/main" name="Office Theme" id="{62F939B6-93AF-4DB8-9C6B-D6C7DFDC589F}" vid="{4A3C46E8-61CC-4603-A589-7422A47A8E4A}"/>
     </a:ext>
   </a:extLst>
 </a:theme>
@@ -20234,7 +21163,7 @@
   <a:extraClrSchemeLst/>
   <a:extLst>
     <a:ext uri="{05A4C25C-085E-4340-85A3-A5531E510DB2}">
-      <thm15:themeFamily xmlns:thm15="http://schemas.microsoft.com/office/thememl/2012/main" xmlns="" name="Office Theme" id="{62F939B6-93AF-4DB8-9C6B-D6C7DFDC589F}" vid="{4A3C46E8-61CC-4603-A589-7422A47A8E4A}"/>
+      <thm15:themeFamily xmlns="" xmlns:thm15="http://schemas.microsoft.com/office/thememl/2012/main" name="Office Theme" id="{62F939B6-93AF-4DB8-9C6B-D6C7DFDC589F}" vid="{4A3C46E8-61CC-4603-A589-7422A47A8E4A}"/>
     </a:ext>
   </a:extLst>
 </a:theme>
